--- a/PodHandler.pptx
+++ b/PodHandler.pptx
@@ -759,6 +759,91 @@
     <p:extLst>
       <p:ext uri="{BB962C8B-B14F-4D97-AF65-F5344CB8AC3E}">
         <p14:creationId xmlns:p14="http://schemas.microsoft.com/office/powerpoint/2010/main" val="1429263652"/>
+      </p:ext>
+    </p:extLst>
+  </p:cSld>
+  <p:clrMapOvr>
+    <a:masterClrMapping/>
+  </p:clrMapOvr>
+</p:notes>
+</file>
+
+<file path=ppt/notesSlides/notesSlide2.xml><?xml version="1.0" encoding="utf-8"?>
+<p:notes xmlns:a="http://schemas.openxmlformats.org/drawingml/2006/main" xmlns:r="http://schemas.openxmlformats.org/officeDocument/2006/relationships" xmlns:p="http://schemas.openxmlformats.org/presentationml/2006/main">
+  <p:cSld>
+    <p:spTree>
+      <p:nvGrpSpPr>
+        <p:cNvPr id="1" name=""/>
+        <p:cNvGrpSpPr/>
+        <p:nvPr/>
+      </p:nvGrpSpPr>
+      <p:grpSpPr>
+        <a:xfrm>
+          <a:off x="0" y="0"/>
+          <a:ext cx="0" cy="0"/>
+          <a:chOff x="0" y="0"/>
+          <a:chExt cx="0" cy="0"/>
+        </a:xfrm>
+      </p:grpSpPr>
+      <p:sp>
+        <p:nvSpPr>
+          <p:cNvPr id="2" name="Slide Image Placeholder 1"/>
+          <p:cNvSpPr>
+            <a:spLocks noGrp="1" noRot="1" noChangeAspect="1"/>
+          </p:cNvSpPr>
+          <p:nvPr>
+            <p:ph type="sldImg"/>
+          </p:nvPr>
+        </p:nvSpPr>
+        <p:spPr/>
+      </p:sp>
+      <p:sp>
+        <p:nvSpPr>
+          <p:cNvPr id="3" name="Notes Placeholder 2"/>
+          <p:cNvSpPr>
+            <a:spLocks noGrp="1"/>
+          </p:cNvSpPr>
+          <p:nvPr>
+            <p:ph type="body" idx="1"/>
+          </p:nvPr>
+        </p:nvSpPr>
+        <p:spPr/>
+        <p:txBody>
+          <a:bodyPr/>
+          <a:lstStyle/>
+          <a:p>
+            <a:endParaRPr lang="en-IN" dirty="0"/>
+          </a:p>
+        </p:txBody>
+      </p:sp>
+      <p:sp>
+        <p:nvSpPr>
+          <p:cNvPr id="4" name="Slide Number Placeholder 3"/>
+          <p:cNvSpPr>
+            <a:spLocks noGrp="1"/>
+          </p:cNvSpPr>
+          <p:nvPr>
+            <p:ph type="sldNum" sz="quarter" idx="5"/>
+          </p:nvPr>
+        </p:nvSpPr>
+        <p:spPr/>
+        <p:txBody>
+          <a:bodyPr/>
+          <a:lstStyle/>
+          <a:p>
+            <a:fld id="{5785012C-24FD-4033-9E4F-17EFABF705B6}" type="slidenum">
+              <a:rPr lang="en-US" smtClean="0"/>
+              <a:pPr/>
+              <a:t>11</a:t>
+            </a:fld>
+            <a:endParaRPr lang="en-US"/>
+          </a:p>
+        </p:txBody>
+      </p:sp>
+    </p:spTree>
+    <p:extLst>
+      <p:ext uri="{BB962C8B-B14F-4D97-AF65-F5344CB8AC3E}">
+        <p14:creationId xmlns:p14="http://schemas.microsoft.com/office/powerpoint/2010/main" val="2631345929"/>
       </p:ext>
     </p:extLst>
   </p:cSld>
@@ -2494,64 +2579,52 @@
           </a:bodyPr>
           <a:lstStyle/>
           <a:p>
+            <a:pPr marL="514350" indent="-514350">
+              <a:buAutoNum type="arabicPeriod"/>
+            </a:pPr>
+            <a:r>
+              <a:rPr lang="en-US" sz="2800" dirty="0">
+                <a:cs typeface="Calibri"/>
+              </a:rPr>
+              <a:t>For a given list of symbols, develop a corresponding list of probabilities or frequency counts so that each symbol’s relative frequency of occurrence is known.</a:t>
+            </a:r>
+          </a:p>
+          <a:p>
             <a:pPr marL="0" indent="0">
               <a:buNone/>
             </a:pPr>
+            <a:endParaRPr lang="en-US" sz="2800" dirty="0">
+              <a:cs typeface="Calibri"/>
+            </a:endParaRPr>
+          </a:p>
+          <a:p>
+            <a:pPr marL="0" indent="0">
+              <a:buNone/>
+            </a:pPr>
             <a:r>
               <a:rPr lang="en-US" sz="2800" dirty="0">
                 <a:cs typeface="Calibri"/>
               </a:rPr>
-              <a:t>1. For a given list of symbols, develop a corresponding list of probabilities or frequency</a:t>
+              <a:t>2. Sort the lists of symbols according to frequency, with the most frequently occurring symbols at the left and the least common at the right.</a:t>
             </a:r>
           </a:p>
           <a:p>
             <a:pPr marL="0" indent="0">
               <a:buNone/>
             </a:pPr>
+            <a:endParaRPr lang="en-US" sz="2800" dirty="0">
+              <a:cs typeface="Calibri"/>
+            </a:endParaRPr>
+          </a:p>
+          <a:p>
+            <a:pPr marL="0" indent="0">
+              <a:buNone/>
+            </a:pPr>
             <a:r>
               <a:rPr lang="en-US" sz="2800" dirty="0">
                 <a:cs typeface="Calibri"/>
               </a:rPr>
-              <a:t>counts so that each symbol’s relative frequency of occurrence is known.</a:t>
-            </a:r>
-          </a:p>
-          <a:p>
-            <a:pPr marL="0" indent="0">
-              <a:buNone/>
-            </a:pPr>
-            <a:r>
-              <a:rPr lang="en-US" sz="2800" dirty="0">
-                <a:cs typeface="Calibri"/>
-              </a:rPr>
-              <a:t>2. Sort the lists of symbols according to frequency, with the most frequently occurring</a:t>
-            </a:r>
-          </a:p>
-          <a:p>
-            <a:pPr marL="0" indent="0">
-              <a:buNone/>
-            </a:pPr>
-            <a:r>
-              <a:rPr lang="en-US" sz="2800" dirty="0">
-                <a:cs typeface="Calibri"/>
-              </a:rPr>
-              <a:t>symbols at the left and the least common at the right.</a:t>
-            </a:r>
-          </a:p>
-          <a:p>
-            <a:pPr marL="0" indent="0">
-              <a:buNone/>
-            </a:pPr>
-            <a:r>
-              <a:rPr lang="en-US" sz="2800">
-                <a:cs typeface="Calibri"/>
-              </a:rPr>
-              <a:t>3. Divide the list into two parts, with the total frequency counts of the left </a:t>
-            </a:r>
-            <a:r>
-              <a:rPr lang="en-US" sz="2800" dirty="0">
-                <a:cs typeface="Calibri"/>
-              </a:rPr>
-              <a:t>part being as close to the total of the right as possible.</a:t>
+              <a:t>3. Divide the list into two parts, with the total frequency counts of the left part being as close to the total of the right as possible.</a:t>
             </a:r>
           </a:p>
           <a:p>
@@ -2623,8 +2696,8 @@
         </p:nvSpPr>
         <p:spPr>
           <a:xfrm>
-            <a:off x="762000" y="861205"/>
-            <a:ext cx="10972800" cy="5417359"/>
+            <a:off x="481263" y="861205"/>
+            <a:ext cx="11253537" cy="5417359"/>
           </a:xfrm>
         </p:spPr>
         <p:txBody>
@@ -2714,10 +2787,10 @@
           <a:p>
             <a:pPr algn="l"/>
             <a:r>
-              <a:rPr lang="en-US" sz="3200" b="1">
+              <a:rPr lang="en-US" sz="3200" b="1" dirty="0">
                 <a:cs typeface="Calibri"/>
               </a:rPr>
-              <a:t>Lempel – Ziv Algorithm:</a:t>
+              <a:t>Lempel – Zev Welch Algorithm:</a:t>
             </a:r>
             <a:endParaRPr lang="en-US" dirty="0">
               <a:cs typeface="Calibri"/>
@@ -3333,7 +3406,7 @@
           <a:p>
             <a:r>
               <a:rPr lang="en-IN" sz="4000" b="1" dirty="0"/>
-              <a:t>Implementation of Lossless Data Compression Algorithms  and Comparison</a:t>
+              <a:t>Lossless Data Compression Algorithms and their Comparison</a:t>
             </a:r>
           </a:p>
           <a:p>
@@ -3799,7 +3872,7 @@
         </p:spPr>
         <p:txBody>
           <a:bodyPr>
-            <a:normAutofit fontScale="92500" lnSpcReduction="20000"/>
+            <a:normAutofit/>
           </a:bodyPr>
           <a:lstStyle/>
           <a:p>
@@ -3807,48 +3880,7 @@
               <a:buFont typeface="Arial" panose="020B0604020202020204" pitchFamily="34" charset="0"/>
               <a:buChar char="•"/>
             </a:pPr>
-            <a:r>
-              <a:rPr lang="en-IN" dirty="0"/>
-              <a:t>Compression is the art of representing the information in a compact form rather than its original or in uncompressed form.</a:t>
-            </a:r>
-          </a:p>
-          <a:p>
-            <a:pPr>
-              <a:buFont typeface="Arial" panose="020B0604020202020204" pitchFamily="34" charset="0"/>
-              <a:buChar char="•"/>
-            </a:pPr>
-            <a:r>
-              <a:rPr lang="en-IN" dirty="0"/>
-              <a:t>In a data storage application, the degree of compression and the speed for compression are the primary concern.</a:t>
-            </a:r>
-          </a:p>
-          <a:p>
-            <a:pPr>
-              <a:buFont typeface="Arial" panose="020B0604020202020204" pitchFamily="34" charset="0"/>
-              <a:buChar char="•"/>
-            </a:pPr>
-            <a:r>
-              <a:rPr lang="en-IN" dirty="0"/>
-              <a:t>There are two types of data compressions </a:t>
-            </a:r>
-            <a:r>
-              <a:rPr lang="en-IN" dirty="0" err="1"/>
-              <a:t>ie</a:t>
-            </a:r>
-            <a:r>
-              <a:rPr lang="en-IN" dirty="0"/>
-              <a:t>. Lossless data compression and Lossy data compression.</a:t>
-            </a:r>
-          </a:p>
-          <a:p>
-            <a:pPr>
-              <a:buFont typeface="Arial" panose="020B0604020202020204" pitchFamily="34" charset="0"/>
-              <a:buChar char="•"/>
-            </a:pPr>
-            <a:r>
-              <a:rPr lang="en-IN" dirty="0"/>
-              <a:t>Some of the main techniques in use are Huffman Encoding Algorithm, Shannon Fano Algorithm, and Lempel Zev Welch Algorithm.</a:t>
-            </a:r>
+            <a:endParaRPr lang="en-IN" dirty="0"/>
           </a:p>
         </p:txBody>
       </p:sp>
@@ -3917,6 +3949,44 @@
           </a:p>
         </p:txBody>
       </p:sp>
+      <p:sp>
+        <p:nvSpPr>
+          <p:cNvPr id="3" name="TextBox 2">
+            <a:extLst>
+              <a:ext uri="{FF2B5EF4-FFF2-40B4-BE49-F238E27FC236}">
+                <a16:creationId xmlns:a16="http://schemas.microsoft.com/office/drawing/2014/main" id="{251F2093-0136-4986-888E-EFA5798310AE}"/>
+              </a:ext>
+            </a:extLst>
+          </p:cNvPr>
+          <p:cNvSpPr txBox="1"/>
+          <p:nvPr/>
+        </p:nvSpPr>
+        <p:spPr>
+          <a:xfrm>
+            <a:off x="1349055" y="1498171"/>
+            <a:ext cx="8925914" cy="3400931"/>
+          </a:xfrm>
+          <a:prstGeom prst="rect">
+            <a:avLst/>
+          </a:prstGeom>
+          <a:noFill/>
+        </p:spPr>
+        <p:txBody>
+          <a:bodyPr wrap="square" rtlCol="0">
+            <a:spAutoFit/>
+          </a:bodyPr>
+          <a:lstStyle/>
+          <a:p>
+            <a:r>
+              <a:rPr lang="en-IN" sz="2800" dirty="0"/>
+              <a:t>Storage on the cloud is a limited resource. Even though more storage space can be purchased, it seems better to utilize the given space to the fullest. The solution to this problem is data compression. Compress data to save space and then store it on the cloud, also in doing so, we save the data transmission cost over the network and make our cloud storage even more efficient.</a:t>
+            </a:r>
+          </a:p>
+          <a:p>
+            <a:endParaRPr lang="en-IN" dirty="0"/>
+          </a:p>
+        </p:txBody>
+      </p:sp>
     </p:spTree>
     <p:extLst>
       <p:ext uri="{BB962C8B-B14F-4D97-AF65-F5344CB8AC3E}">
@@ -4010,15 +4080,7 @@
             </a:pPr>
             <a:r>
               <a:rPr lang="en-IN" sz="2800" dirty="0"/>
-              <a:t>Cloud computing has turned out be an excellent way to cope up with the data </a:t>
-            </a:r>
-            <a:r>
-              <a:rPr lang="en-IN" sz="2800" dirty="0" err="1"/>
-              <a:t>subpurge</a:t>
-            </a:r>
-            <a:r>
-              <a:rPr lang="en-IN" sz="2800" dirty="0"/>
-              <a:t>, but somewhere down the lane cloud computing  also requires physical infrastructure.</a:t>
+              <a:t>Cloud computing has turned out be an excellent way to cope up with the data growth, but somewhere down the lane cloud computing  also requires physical infrastructure.</a:t>
             </a:r>
           </a:p>
           <a:p>
@@ -4038,15 +4100,7 @@
             </a:pPr>
             <a:r>
               <a:rPr lang="en-IN" sz="2800" dirty="0"/>
-              <a:t>With the increase in size of files and </a:t>
-            </a:r>
-            <a:r>
-              <a:rPr lang="en-IN" sz="2800" dirty="0" err="1"/>
-              <a:t>and</a:t>
-            </a:r>
-            <a:r>
-              <a:rPr lang="en-IN" sz="2800" dirty="0"/>
-              <a:t> the limited storage hardware.</a:t>
+              <a:t>With the increase in size of files and the limited storage hardware.</a:t>
             </a:r>
           </a:p>
           <a:p>
@@ -4133,7 +4187,7 @@
         </p:nvSpPr>
         <p:spPr>
           <a:xfrm>
-            <a:off x="601579" y="1540042"/>
+            <a:off x="601579" y="1311442"/>
             <a:ext cx="10720137" cy="5262979"/>
           </a:xfrm>
           <a:prstGeom prst="rect">
@@ -4152,16 +4206,16 @@
               <a:buChar char="•"/>
             </a:pPr>
             <a:r>
-              <a:rPr lang="en-IN" sz="2800"/>
+              <a:rPr lang="en-IN" sz="2800" dirty="0"/>
               <a:t>Implementation of </a:t>
             </a:r>
             <a:r>
-              <a:rPr lang="en-IN" sz="2800">
+              <a:rPr lang="en-IN" sz="2800" dirty="0">
                 <a:cs typeface="Calibri"/>
               </a:rPr>
               <a:t>:</a:t>
             </a:r>
-            <a:endParaRPr lang="en-US" sz="2800">
+            <a:endParaRPr lang="en-US" sz="2800" dirty="0">
               <a:cs typeface="Calibri"/>
             </a:endParaRPr>
           </a:p>
@@ -4170,42 +4224,33 @@
               <a:buAutoNum type="arabicPeriod"/>
             </a:pPr>
             <a:r>
-              <a:rPr lang="en-IN" sz="2800">
+              <a:rPr lang="en-IN" sz="2800" dirty="0">
                 <a:cs typeface="Calibri"/>
               </a:rPr>
-              <a:t>Hoffman's encoding Algorithm</a:t>
-            </a:r>
-            <a:endParaRPr lang="en-IN" sz="2800" dirty="0">
-              <a:cs typeface="Calibri"/>
-            </a:endParaRPr>
+              <a:t>Huffman's encoding Algorithm</a:t>
+            </a:r>
           </a:p>
           <a:p>
             <a:pPr marL="457200" indent="-457200">
               <a:buAutoNum type="arabicPeriod"/>
             </a:pPr>
             <a:r>
-              <a:rPr lang="en-IN" sz="2800">
+              <a:rPr lang="en-IN" sz="2800" dirty="0">
                 <a:cs typeface="Calibri"/>
               </a:rPr>
               <a:t>Shannon – Fano Algorithm</a:t>
             </a:r>
-            <a:endParaRPr lang="en-IN" sz="2800" dirty="0">
-              <a:cs typeface="Calibri"/>
-            </a:endParaRPr>
           </a:p>
           <a:p>
             <a:pPr marL="457200" indent="-457200">
               <a:buAutoNum type="arabicPeriod"/>
             </a:pPr>
             <a:r>
-              <a:rPr lang="en-IN" sz="2800">
+              <a:rPr lang="en-IN" sz="2800" dirty="0">
                 <a:cs typeface="Calibri"/>
               </a:rPr>
-              <a:t>Lempel – Ziv Algorithm </a:t>
-            </a:r>
-            <a:endParaRPr lang="en-IN" sz="2800" dirty="0">
-              <a:cs typeface="Calibri"/>
-            </a:endParaRPr>
+              <a:t>Lempel – Zev Welch Algorithm </a:t>
+            </a:r>
           </a:p>
           <a:p>
             <a:pPr marL="457200" indent="-457200">
@@ -4221,47 +4266,35 @@
               <a:buChar char="•"/>
             </a:pPr>
             <a:r>
-              <a:rPr lang="en-IN" sz="2800">
+              <a:rPr lang="en-IN" sz="2800" dirty="0">
                 <a:cs typeface="Calibri"/>
               </a:rPr>
               <a:t>Comparison of all three algorithms on the basis of:</a:t>
             </a:r>
-            <a:endParaRPr lang="en-IN" sz="2800" dirty="0">
-              <a:cs typeface="Calibri"/>
-            </a:endParaRPr>
-          </a:p>
-          <a:p>
-            <a:r>
-              <a:rPr lang="en-IN" sz="2800">
+          </a:p>
+          <a:p>
+            <a:r>
+              <a:rPr lang="en-IN" sz="2800" dirty="0">
                 <a:cs typeface="Calibri"/>
               </a:rPr>
               <a:t>=&gt; Degree of compression</a:t>
             </a:r>
-            <a:endParaRPr lang="en-IN" sz="2800" dirty="0">
-              <a:cs typeface="Calibri"/>
-            </a:endParaRPr>
-          </a:p>
-          <a:p>
-            <a:r>
-              <a:rPr lang="en-IN" sz="2800">
+          </a:p>
+          <a:p>
+            <a:r>
+              <a:rPr lang="en-IN" sz="2800" dirty="0">
                 <a:cs typeface="Calibri"/>
               </a:rPr>
               <a:t>=&gt; Time</a:t>
             </a:r>
-            <a:endParaRPr lang="en-IN" sz="2800" dirty="0">
-              <a:cs typeface="Calibri"/>
-            </a:endParaRPr>
-          </a:p>
-          <a:p>
-            <a:r>
-              <a:rPr lang="en-IN" sz="2800">
+          </a:p>
+          <a:p>
+            <a:r>
+              <a:rPr lang="en-IN" sz="2800" dirty="0">
                 <a:cs typeface="Calibri"/>
               </a:rPr>
               <a:t>=&gt; Code Efficiency</a:t>
             </a:r>
-            <a:endParaRPr lang="en-IN" sz="2800" dirty="0">
-              <a:cs typeface="Calibri"/>
-            </a:endParaRPr>
           </a:p>
           <a:p>
             <a:endParaRPr lang="en-IN" sz="2800" dirty="0">
@@ -4274,14 +4307,11 @@
               <a:buChar char="•"/>
             </a:pPr>
             <a:r>
-              <a:rPr lang="en-IN" sz="2800">
+              <a:rPr lang="en-IN" sz="2800" dirty="0">
                 <a:cs typeface="Calibri"/>
               </a:rPr>
               <a:t>Implementation and deployment of compressed text on cloud.</a:t>
             </a:r>
-            <a:endParaRPr lang="en-IN" sz="2800" dirty="0">
-              <a:cs typeface="Calibri"/>
-            </a:endParaRPr>
           </a:p>
           <a:p>
             <a:pPr marL="570865" lvl="2"/>
@@ -4669,19 +4699,7 @@
               <a:rPr lang="en-US" sz="2800" dirty="0">
                 <a:cs typeface="Calibri"/>
               </a:rPr>
-              <a:t>There are 2 major parts of </a:t>
-            </a:r>
-            <a:r>
-              <a:rPr lang="en-US" sz="2800" err="1">
-                <a:cs typeface="Calibri"/>
-              </a:rPr>
-              <a:t>huffman</a:t>
-            </a:r>
-            <a:r>
-              <a:rPr lang="en-US" sz="2800" dirty="0">
-                <a:cs typeface="Calibri"/>
-              </a:rPr>
-              <a:t> encoding</a:t>
+              <a:t>There are 2 major parts of Huffman encoding</a:t>
             </a:r>
           </a:p>
           <a:p>

--- a/PodHandler.pptx
+++ b/PodHandler.pptx
@@ -15333,7 +15333,7 @@
               </a:lnSpc>
             </a:pPr>
             <a:r>
-              <a:rPr lang="en-IN" sz="4400" b="1" strike="noStrike" spc="-1">
+              <a:rPr lang="en-IN" sz="4400" b="1" strike="noStrike" spc="-1" dirty="0">
                 <a:solidFill>
                   <a:srgbClr val="000000"/>
                 </a:solidFill>
@@ -15346,7 +15346,7 @@
               </a:rPr>
               <a:t>Introduction</a:t>
             </a:r>
-            <a:endParaRPr lang="en-IN" sz="1800" b="0" strike="noStrike" spc="-1">
+            <a:endParaRPr lang="en-IN" sz="1800" b="0" strike="noStrike" spc="-1" dirty="0">
               <a:solidFill>
                 <a:srgbClr val="000000"/>
               </a:solidFill>
@@ -15514,21 +15514,7 @@
                 <a:spcPct val="100000"/>
               </a:lnSpc>
             </a:pPr>
-            <a:r>
-              <a:rPr lang="en-IN" sz="4400" b="1" strike="noStrike" spc="-1">
-                <a:solidFill>
-                  <a:srgbClr val="000000"/>
-                </a:solidFill>
-                <a:uFill>
-                  <a:solidFill>
-                    <a:srgbClr val="FFFFFF"/>
-                  </a:solidFill>
-                </a:uFill>
-                <a:latin typeface="Calibri"/>
-              </a:rPr>
-              <a:t>Introduction</a:t>
-            </a:r>
-            <a:endParaRPr lang="en-IN" sz="1800" b="0" strike="noStrike" spc="-1">
+            <a:endParaRPr lang="en-IN" sz="1800" b="0" strike="noStrike" spc="-1" dirty="0">
               <a:solidFill>
                 <a:srgbClr val="000000"/>
               </a:solidFill>
@@ -15574,7 +15560,7 @@
               <a:buChar char=""/>
             </a:pPr>
             <a:r>
-              <a:rPr lang="en-IN" sz="3200" b="0" strike="noStrike" spc="-1">
+              <a:rPr lang="en-IN" sz="3200" b="0" strike="noStrike" spc="-1" dirty="0">
                 <a:solidFill>
                   <a:srgbClr val="000000"/>
                 </a:solidFill>
@@ -15589,7 +15575,7 @@
               <a:t>There are number of data compression algorithms which use different approaches,</a:t>
             </a:r>
             <a:r>
-              <a:rPr lang="en-IN" sz="3200" b="0" strike="noStrike" spc="-1">
+              <a:rPr lang="en-IN" sz="3200" b="0" strike="noStrike" spc="-1" dirty="0">
                 <a:solidFill>
                   <a:srgbClr val="000000"/>
                 </a:solidFill>
@@ -15603,7 +15589,7 @@
               <a:t> in our project we will examine </a:t>
             </a:r>
             <a:r>
-              <a:rPr lang="en-IN" sz="3200" b="0" strike="noStrike" spc="-1">
+              <a:rPr lang="en-IN" sz="3200" b="0" strike="noStrike" spc="-1" dirty="0">
                 <a:solidFill>
                   <a:srgbClr val="000000"/>
                 </a:solidFill>
@@ -15617,7 +15603,7 @@
               </a:rPr>
               <a:t>lossless data compression algorithms like Huffman encoding algorithm, Lempel-Ziv-Welch algorithm, and Shannon-Fano algorithm and comparing their performance. </a:t>
             </a:r>
-            <a:endParaRPr lang="en-IN" sz="1800" b="0" strike="noStrike" spc="-1">
+            <a:endParaRPr lang="en-IN" sz="1800" b="0" strike="noStrike" spc="-1" dirty="0">
               <a:solidFill>
                 <a:srgbClr val="000000"/>
               </a:solidFill>

--- a/PodHandler.pptx
+++ b/PodHandler.pptx
@@ -13478,7 +13478,7 @@
         <p:spPr>
           <a:xfrm>
             <a:off x="926432" y="1828800"/>
-            <a:ext cx="10623884" cy="4524315"/>
+            <a:ext cx="10623884" cy="5078313"/>
           </a:xfrm>
           <a:prstGeom prst="rect">
             <a:avLst/>
@@ -13676,7 +13676,24 @@
             </a:r>
             <a:r>
               <a:rPr lang="en-IN" dirty="0"/>
-              <a:t> hosseini@sfu.ca</a:t>
+              <a:t> </a:t>
+            </a:r>
+            <a:r>
+              <a:rPr lang="en-IN" dirty="0">
+                <a:hlinkClick r:id="rId2"/>
+              </a:rPr>
+              <a:t>hosseini@sfu.ca</a:t>
+            </a:r>
+            <a:endParaRPr lang="en-IN" dirty="0"/>
+          </a:p>
+          <a:p>
+            <a:pPr marL="285750" lvl="0" indent="-285750" fontAlgn="base" hangingPunct="0">
+              <a:buFont typeface="Arial" panose="020B0604020202020204" pitchFamily="34" charset="0"/>
+              <a:buChar char="•"/>
+            </a:pPr>
+            <a:r>
+              <a:rPr lang="en-IN" dirty="0"/>
+              <a:t>ref10-https://www.marketingprofs.com/charts/2017/32531/the-incredible-amount-of-data-generated-online-every-minute-infographic</a:t>
             </a:r>
           </a:p>
         </p:txBody>
@@ -15963,7 +15980,7 @@
               <a:buChar char="•"/>
             </a:pPr>
             <a:r>
-              <a:rPr lang="en-IN" sz="2800" b="0" strike="noStrike" spc="-1">
+              <a:rPr lang="en-IN" sz="2800" b="0" strike="noStrike" spc="-1" dirty="0">
                 <a:solidFill>
                   <a:srgbClr val="000000"/>
                 </a:solidFill>
@@ -15977,7 +15994,7 @@
               </a:rPr>
               <a:t>Cloud computing has turned out be an excellent way to cope up with the data growth, but somewhere down the lane cloud computing  also requires physical infrastructure.</a:t>
             </a:r>
-            <a:endParaRPr lang="en-IN" sz="1800" b="0" strike="noStrike" spc="-1">
+            <a:endParaRPr lang="en-IN" sz="1800" b="0" strike="noStrike" spc="-1" dirty="0">
               <a:solidFill>
                 <a:srgbClr val="000000"/>
               </a:solidFill>
@@ -16001,7 +16018,7 @@
               <a:buChar char="•"/>
             </a:pPr>
             <a:r>
-              <a:rPr lang="en-IN" sz="2800" b="0" strike="noStrike" spc="-1">
+              <a:rPr lang="en-IN" sz="2800" b="0" strike="noStrike" spc="-1" dirty="0">
                 <a:solidFill>
                   <a:srgbClr val="000000"/>
                 </a:solidFill>
@@ -16013,9 +16030,9 @@
                 <a:latin typeface="Calibri"/>
                 <a:ea typeface="DejaVu Sans"/>
               </a:rPr>
-              <a:t>Processing of data requires time, so processing of redundant data wastes lot of time.</a:t>
+              <a:t>Processing of large amount data requires time, so processing of redundant data wastes lot of time .So we need the Compression of Data.</a:t>
             </a:r>
-            <a:endParaRPr lang="en-IN" sz="1800" b="0" strike="noStrike" spc="-1">
+            <a:endParaRPr lang="en-IN" sz="1800" b="0" strike="noStrike" spc="-1" dirty="0">
               <a:solidFill>
                 <a:srgbClr val="000000"/>
               </a:solidFill>
@@ -16039,7 +16056,81 @@
               <a:buChar char="•"/>
             </a:pPr>
             <a:r>
-              <a:rPr lang="en-IN" sz="2800" b="0" strike="noStrike" spc="-1">
+              <a:rPr lang="en-IN" sz="2800" spc="-1" dirty="0">
+                <a:solidFill>
+                  <a:srgbClr val="000000"/>
+                </a:solidFill>
+                <a:uFill>
+                  <a:solidFill>
+                    <a:srgbClr val="FFFFFF"/>
+                  </a:solidFill>
+                </a:uFill>
+                <a:latin typeface="Calibri"/>
+              </a:rPr>
+              <a:t>According to the Google[ref10] Users of the Internet generate 2.5 quintillion bytes of data each day, on average, according to recent research cites </a:t>
+            </a:r>
+            <a:r>
+              <a:rPr lang="en-IN" sz="2800" spc="-1">
+                <a:solidFill>
+                  <a:srgbClr val="000000"/>
+                </a:solidFill>
+                <a:uFill>
+                  <a:solidFill>
+                    <a:srgbClr val="FFFFFF"/>
+                  </a:solidFill>
+                </a:uFill>
+                <a:latin typeface="Calibri"/>
+              </a:rPr>
+              <a:t>by Domo .</a:t>
+            </a:r>
+            <a:r>
+              <a:rPr lang="en-IN" sz="2800" spc="-1" dirty="0" err="1">
+                <a:solidFill>
+                  <a:srgbClr val="000000"/>
+                </a:solidFill>
+                <a:uFill>
+                  <a:solidFill>
+                    <a:srgbClr val="FFFFFF"/>
+                  </a:solidFill>
+                </a:uFill>
+                <a:latin typeface="Calibri"/>
+              </a:rPr>
+              <a:t>So</a:t>
+            </a:r>
+            <a:r>
+              <a:rPr lang="en-IN" sz="2800" spc="-1" dirty="0">
+                <a:solidFill>
+                  <a:srgbClr val="000000"/>
+                </a:solidFill>
+                <a:uFill>
+                  <a:solidFill>
+                    <a:srgbClr val="FFFFFF"/>
+                  </a:solidFill>
+                </a:uFill>
+                <a:latin typeface="Calibri"/>
+              </a:rPr>
+              <a:t> to store this high amount of data we need a lot of Storage, So it is the need of hour to Compress the Data.</a:t>
+            </a:r>
+            <a:endParaRPr lang="en-IN" sz="1800" b="0" strike="noStrike" spc="-1" dirty="0">
+              <a:solidFill>
+                <a:srgbClr val="000000"/>
+              </a:solidFill>
+              <a:uFill>
+                <a:solidFill>
+                  <a:srgbClr val="FFFFFF"/>
+                </a:solidFill>
+              </a:uFill>
+              <a:latin typeface="Arial"/>
+            </a:endParaRPr>
+          </a:p>
+          <a:p>
+            <a:pPr>
+              <a:lnSpc>
+                <a:spcPct val="100000"/>
+              </a:lnSpc>
+            </a:pPr>
+            <a:r>
+              <a:rPr lang="en-IN" sz="2800" b="0" strike="noStrike" spc="-1" dirty="0">
                 <a:solidFill>
                   <a:srgbClr val="000000"/>
                 </a:solidFill>
@@ -16051,60 +16142,9 @@
                 <a:latin typeface="Calibri"/>
                 <a:ea typeface="DejaVu Sans"/>
               </a:rPr>
-              <a:t>With the increase in size of files and the limited storage hardware.</a:t>
+              <a:t>All these factors motivates us to study these compression algorithms.</a:t>
             </a:r>
-            <a:endParaRPr lang="en-IN" sz="1800" b="0" strike="noStrike" spc="-1">
-              <a:solidFill>
-                <a:srgbClr val="000000"/>
-              </a:solidFill>
-              <a:uFill>
-                <a:solidFill>
-                  <a:srgbClr val="FFFFFF"/>
-                </a:solidFill>
-              </a:uFill>
-              <a:latin typeface="Arial"/>
-            </a:endParaRPr>
-          </a:p>
-          <a:p>
-            <a:pPr>
-              <a:lnSpc>
-                <a:spcPct val="100000"/>
-              </a:lnSpc>
-            </a:pPr>
-            <a:endParaRPr lang="en-IN" sz="1800" b="0" strike="noStrike" spc="-1">
-              <a:solidFill>
-                <a:srgbClr val="000000"/>
-              </a:solidFill>
-              <a:uFill>
-                <a:solidFill>
-                  <a:srgbClr val="FFFFFF"/>
-                </a:solidFill>
-              </a:uFill>
-              <a:latin typeface="Arial"/>
-            </a:endParaRPr>
-          </a:p>
-          <a:p>
-            <a:pPr>
-              <a:lnSpc>
-                <a:spcPct val="100000"/>
-              </a:lnSpc>
-            </a:pPr>
-            <a:r>
-              <a:rPr lang="en-IN" sz="2800" b="0" strike="noStrike" spc="-1">
-                <a:solidFill>
-                  <a:srgbClr val="000000"/>
-                </a:solidFill>
-                <a:uFill>
-                  <a:solidFill>
-                    <a:srgbClr val="FFFFFF"/>
-                  </a:solidFill>
-                </a:uFill>
-                <a:latin typeface="Calibri"/>
-                <a:ea typeface="DejaVu Sans"/>
-              </a:rPr>
-              <a:t>All these factors motivates compression an urged us to study these compression algorithms.</a:t>
-            </a:r>
-            <a:endParaRPr lang="en-IN" sz="1800" b="0" strike="noStrike" spc="-1">
+            <a:endParaRPr lang="en-IN" sz="1800" b="0" strike="noStrike" spc="-1" dirty="0">
               <a:solidFill>
                 <a:srgbClr val="000000"/>
               </a:solidFill>

--- a/PodHandler.pptx
+++ b/PodHandler.pptx
@@ -733,6 +733,125 @@
         </p:txBody>
       </p:sp>
     </p:spTree>
+  </p:cSld>
+  <p:clrMapOvr>
+    <a:masterClrMapping/>
+  </p:clrMapOvr>
+</p:notes>
+</file>
+
+<file path=ppt/notesSlides/notesSlide3.xml><?xml version="1.0" encoding="utf-8"?>
+<p:notes xmlns:a="http://schemas.openxmlformats.org/drawingml/2006/main" xmlns:r="http://schemas.openxmlformats.org/officeDocument/2006/relationships" xmlns:p="http://schemas.openxmlformats.org/presentationml/2006/main">
+  <p:cSld>
+    <p:spTree>
+      <p:nvGrpSpPr>
+        <p:cNvPr id="1" name=""/>
+        <p:cNvGrpSpPr/>
+        <p:nvPr/>
+      </p:nvGrpSpPr>
+      <p:grpSpPr>
+        <a:xfrm>
+          <a:off x="0" y="0"/>
+          <a:ext cx="0" cy="0"/>
+          <a:chOff x="0" y="0"/>
+          <a:chExt cx="0" cy="0"/>
+        </a:xfrm>
+      </p:grpSpPr>
+      <p:sp>
+        <p:nvSpPr>
+          <p:cNvPr id="2" name="Slide Image Placeholder 1"/>
+          <p:cNvSpPr>
+            <a:spLocks noGrp="1" noRot="1" noChangeAspect="1"/>
+          </p:cNvSpPr>
+          <p:nvPr>
+            <p:ph type="sldImg"/>
+          </p:nvPr>
+        </p:nvSpPr>
+        <p:spPr>
+          <a:xfrm>
+            <a:off x="685800" y="1143000"/>
+            <a:ext cx="5486400" cy="3086100"/>
+          </a:xfrm>
+          <a:prstGeom prst="rect">
+            <a:avLst/>
+          </a:prstGeom>
+          <a:noFill/>
+          <a:ln w="12700">
+            <a:solidFill>
+              <a:prstClr val="black"/>
+            </a:solidFill>
+          </a:ln>
+        </p:spPr>
+      </p:sp>
+      <p:sp>
+        <p:nvSpPr>
+          <p:cNvPr id="3" name="Notes Placeholder 2"/>
+          <p:cNvSpPr>
+            <a:spLocks noGrp="1"/>
+          </p:cNvSpPr>
+          <p:nvPr>
+            <p:ph type="body" idx="1"/>
+          </p:nvPr>
+        </p:nvSpPr>
+        <p:spPr/>
+        <p:txBody>
+          <a:bodyPr/>
+          <a:lstStyle/>
+          <a:p>
+            <a:endParaRPr lang="en-IN" dirty="0"/>
+          </a:p>
+        </p:txBody>
+      </p:sp>
+      <p:sp>
+        <p:nvSpPr>
+          <p:cNvPr id="4" name="Slide Number Placeholder 3"/>
+          <p:cNvSpPr>
+            <a:spLocks noGrp="1"/>
+          </p:cNvSpPr>
+          <p:nvPr>
+            <p:ph type="sldNum"/>
+          </p:nvPr>
+        </p:nvSpPr>
+        <p:spPr/>
+        <p:txBody>
+          <a:bodyPr/>
+          <a:lstStyle/>
+          <a:p>
+            <a:pPr algn="r"/>
+            <a:fld id="{7AF558E8-EE7F-4ED6-BE2E-F4736E712C02}" type="slidenum">
+              <a:rPr lang="en-IN" sz="1400" b="0" strike="noStrike" spc="-1" smtClean="0">
+                <a:solidFill>
+                  <a:srgbClr val="000000"/>
+                </a:solidFill>
+                <a:uFill>
+                  <a:solidFill>
+                    <a:srgbClr val="FFFFFF"/>
+                  </a:solidFill>
+                </a:uFill>
+                <a:latin typeface="Times New Roman"/>
+              </a:rPr>
+              <a:t>14</a:t>
+            </a:fld>
+            <a:endParaRPr lang="en-IN" sz="1400" b="0" strike="noStrike" spc="-1">
+              <a:solidFill>
+                <a:srgbClr val="000000"/>
+              </a:solidFill>
+              <a:uFill>
+                <a:solidFill>
+                  <a:srgbClr val="FFFFFF"/>
+                </a:solidFill>
+              </a:uFill>
+              <a:latin typeface="Times New Roman"/>
+            </a:endParaRPr>
+          </a:p>
+        </p:txBody>
+      </p:sp>
+    </p:spTree>
+    <p:extLst>
+      <p:ext uri="{BB962C8B-B14F-4D97-AF65-F5344CB8AC3E}">
+        <p14:creationId xmlns:p14="http://schemas.microsoft.com/office/powerpoint/2010/main" val="1144925206"/>
+      </p:ext>
+    </p:extLst>
   </p:cSld>
   <p:clrMapOvr>
     <a:masterClrMapping/>
@@ -12331,7 +12450,7 @@
               <a:buAutoNum type="arabicPeriod"/>
             </a:pPr>
             <a:r>
-              <a:rPr lang="en-IN" sz="2800" b="0" strike="noStrike" spc="-1">
+              <a:rPr lang="en-IN" sz="2800" b="0" strike="noStrike" spc="-1" dirty="0">
                 <a:solidFill>
                   <a:srgbClr val="000000"/>
                 </a:solidFill>
@@ -12344,7 +12463,7 @@
               </a:rPr>
               <a:t>For a given list of symbols, develop a corresponding list of probabilities or frequency counts so that each symbol’s relative frequency of occurrence is known.</a:t>
             </a:r>
-            <a:endParaRPr lang="en-IN" sz="1800" b="0" strike="noStrike" spc="-1">
+            <a:endParaRPr lang="en-IN" sz="1800" b="0" strike="noStrike" spc="-1" dirty="0">
               <a:solidFill>
                 <a:srgbClr val="000000"/>
               </a:solidFill>
@@ -12362,7 +12481,7 @@
                 <a:spcPct val="100000"/>
               </a:lnSpc>
             </a:pPr>
-            <a:endParaRPr lang="en-IN" sz="1800" b="0" strike="noStrike" spc="-1">
+            <a:endParaRPr lang="en-IN" sz="1800" b="0" strike="noStrike" spc="-1" dirty="0">
               <a:solidFill>
                 <a:srgbClr val="000000"/>
               </a:solidFill>
@@ -12381,7 +12500,7 @@
               </a:lnSpc>
             </a:pPr>
             <a:r>
-              <a:rPr lang="en-IN" sz="2800" b="0" strike="noStrike" spc="-1">
+              <a:rPr lang="en-IN" sz="2800" b="0" strike="noStrike" spc="-1" dirty="0">
                 <a:solidFill>
                   <a:srgbClr val="000000"/>
                 </a:solidFill>
@@ -12392,9 +12511,9 @@
                 </a:uFill>
                 <a:latin typeface="Calibri"/>
               </a:rPr>
-              <a:t>2. Sort the lists of symbols according to frequency, with the most frequently occurring symbols at the left and the least common at the right.</a:t>
+              <a:t>2.   Sort the lists of symbols according to frequency, with the most frequently occurring symbols at the left and the least common at the right.</a:t>
             </a:r>
-            <a:endParaRPr lang="en-IN" sz="1800" b="0" strike="noStrike" spc="-1">
+            <a:endParaRPr lang="en-IN" sz="1800" b="0" strike="noStrike" spc="-1" dirty="0">
               <a:solidFill>
                 <a:srgbClr val="000000"/>
               </a:solidFill>
@@ -12412,7 +12531,7 @@
                 <a:spcPct val="100000"/>
               </a:lnSpc>
             </a:pPr>
-            <a:endParaRPr lang="en-IN" sz="1800" b="0" strike="noStrike" spc="-1">
+            <a:endParaRPr lang="en-IN" sz="1800" b="0" strike="noStrike" spc="-1" dirty="0">
               <a:solidFill>
                 <a:srgbClr val="000000"/>
               </a:solidFill>
@@ -12431,7 +12550,7 @@
               </a:lnSpc>
             </a:pPr>
             <a:r>
-              <a:rPr lang="en-IN" sz="2800" b="0" strike="noStrike" spc="-1">
+              <a:rPr lang="en-IN" sz="2800" b="0" strike="noStrike" spc="-1" dirty="0">
                 <a:solidFill>
                   <a:srgbClr val="000000"/>
                 </a:solidFill>
@@ -12442,9 +12561,9 @@
                 </a:uFill>
                 <a:latin typeface="Calibri"/>
               </a:rPr>
-              <a:t>3. Divide the list into two parts, with the total frequency counts of the left part being as close to the total of the right as possible.</a:t>
+              <a:t>3.   Divide the list into two parts, with the total frequency counts of the left part being as close to the total of the right as possible.</a:t>
             </a:r>
-            <a:endParaRPr lang="en-IN" sz="1800" b="0" strike="noStrike" spc="-1">
+            <a:endParaRPr lang="en-IN" sz="1800" b="0" strike="noStrike" spc="-1" dirty="0">
               <a:solidFill>
                 <a:srgbClr val="000000"/>
               </a:solidFill>
@@ -12462,7 +12581,7 @@
                 <a:spcPct val="100000"/>
               </a:lnSpc>
             </a:pPr>
-            <a:endParaRPr lang="en-IN" sz="1800" b="0" strike="noStrike" spc="-1">
+            <a:endParaRPr lang="en-IN" sz="1800" b="0" strike="noStrike" spc="-1" dirty="0">
               <a:solidFill>
                 <a:srgbClr val="000000"/>
               </a:solidFill>
@@ -12481,7 +12600,7 @@
               </a:lnSpc>
             </a:pPr>
             <a:r>
-              <a:rPr lang="en-IN" sz="2800" b="0" strike="noStrike" spc="-1">
+              <a:rPr lang="en-IN" sz="2800" b="0" strike="noStrike" spc="-1" dirty="0">
                 <a:solidFill>
                   <a:srgbClr val="000000"/>
                 </a:solidFill>
@@ -12494,7 +12613,7 @@
               </a:rPr>
               <a:t>.</a:t>
             </a:r>
-            <a:endParaRPr lang="en-IN" sz="1800" b="0" strike="noStrike" spc="-1">
+            <a:endParaRPr lang="en-IN" sz="1800" b="0" strike="noStrike" spc="-1" dirty="0">
               <a:solidFill>
                 <a:srgbClr val="000000"/>
               </a:solidFill>
@@ -12734,7 +12853,7 @@
         </p:nvSpPr>
         <p:spPr>
           <a:xfrm>
-            <a:off x="762120" y="1752480"/>
+            <a:off x="609960" y="1439659"/>
             <a:ext cx="10972080" cy="4525200"/>
           </a:xfrm>
           <a:prstGeom prst="rect">
@@ -12772,7 +12891,7 @@
               <a:buAutoNum type="arabicPeriod"/>
             </a:pPr>
             <a:r>
-              <a:rPr lang="en-IN" sz="2800" b="0" strike="noStrike" spc="-1">
+              <a:rPr lang="en-IN" sz="2800" b="0" strike="noStrike" spc="-1" dirty="0">
                 <a:solidFill>
                   <a:srgbClr val="000000"/>
                 </a:solidFill>
@@ -12785,7 +12904,7 @@
               </a:rPr>
               <a:t>LZW compression uses a code table, with 4096 as a common choice for the number of table entries. Codes 0-255 in the code table are always assigned to represent single bytes from the input file.</a:t>
             </a:r>
-            <a:endParaRPr lang="en-IN" sz="1800" b="0" strike="noStrike" spc="-1">
+            <a:endParaRPr lang="en-IN" sz="1800" b="0" strike="noStrike" spc="-1" dirty="0">
               <a:solidFill>
                 <a:srgbClr val="000000"/>
               </a:solidFill>
@@ -12809,7 +12928,7 @@
               <a:buAutoNum type="arabicPeriod"/>
             </a:pPr>
             <a:r>
-              <a:rPr lang="en-IN" sz="2800" b="0" strike="noStrike" spc="-1">
+              <a:rPr lang="en-IN" sz="2800" b="0" strike="noStrike" spc="-1" dirty="0">
                 <a:solidFill>
                   <a:srgbClr val="000000"/>
                 </a:solidFill>
@@ -12822,7 +12941,7 @@
               </a:rPr>
               <a:t>When encoding begins the code table contains only the first 256 entries, with the remainder of the table being blanks. Compression is achieved by using codes 256 through 4095 to represent sequences of bytes.</a:t>
             </a:r>
-            <a:endParaRPr lang="en-IN" sz="1800" b="0" strike="noStrike" spc="-1">
+            <a:endParaRPr lang="en-IN" sz="1800" b="0" strike="noStrike" spc="-1" dirty="0">
               <a:solidFill>
                 <a:srgbClr val="000000"/>
               </a:solidFill>
@@ -12846,7 +12965,7 @@
               <a:buAutoNum type="arabicPeriod"/>
             </a:pPr>
             <a:r>
-              <a:rPr lang="en-IN" sz="2800" b="0" strike="noStrike" spc="-1">
+              <a:rPr lang="en-IN" sz="2800" b="0" strike="noStrike" spc="-1" dirty="0">
                 <a:solidFill>
                   <a:srgbClr val="000000"/>
                 </a:solidFill>
@@ -12859,7 +12978,56 @@
               </a:rPr>
               <a:t>As the encoding continues, LZW identifies repeated sequences in the data, and adds them to the code table.</a:t>
             </a:r>
-            <a:endParaRPr lang="en-IN" sz="1800" b="0" strike="noStrike" spc="-1">
+          </a:p>
+          <a:p>
+            <a:pPr marL="514440" indent="-513720">
+              <a:lnSpc>
+                <a:spcPct val="100000"/>
+              </a:lnSpc>
+              <a:buClr>
+                <a:srgbClr val="000000"/>
+              </a:buClr>
+              <a:buFont typeface="Arial"/>
+              <a:buAutoNum type="arabicPeriod"/>
+            </a:pPr>
+            <a:r>
+              <a:rPr lang="en-IN" sz="2800" spc="-1" dirty="0">
+                <a:solidFill>
+                  <a:srgbClr val="000000"/>
+                </a:solidFill>
+                <a:uFill>
+                  <a:solidFill>
+                    <a:srgbClr val="FFFFFF"/>
+                  </a:solidFill>
+                </a:uFill>
+                <a:latin typeface="Calibri"/>
+              </a:rPr>
+              <a:t>Decoding is achieved by taking each code from the compressed file and translating it through the code table to find what character or characters it represents.</a:t>
+            </a:r>
+            <a:endParaRPr lang="en-IN" sz="2800" b="0" strike="noStrike" spc="-1" dirty="0">
+              <a:solidFill>
+                <a:srgbClr val="000000"/>
+              </a:solidFill>
+              <a:uFill>
+                <a:solidFill>
+                  <a:srgbClr val="FFFFFF"/>
+                </a:solidFill>
+              </a:uFill>
+              <a:latin typeface="Calibri"/>
+            </a:endParaRPr>
+          </a:p>
+          <a:p>
+            <a:pPr marL="514440" indent="-513720">
+              <a:lnSpc>
+                <a:spcPct val="100000"/>
+              </a:lnSpc>
+              <a:buClr>
+                <a:srgbClr val="000000"/>
+              </a:buClr>
+              <a:buFont typeface="Arial"/>
+              <a:buAutoNum type="arabicPeriod"/>
+            </a:pPr>
+            <a:endParaRPr lang="en-IN" sz="1800" b="0" strike="noStrike" spc="-1" dirty="0">
               <a:solidFill>
                 <a:srgbClr val="000000"/>
               </a:solidFill>
@@ -12877,7 +13045,7 @@
                 <a:spcPct val="100000"/>
               </a:lnSpc>
             </a:pPr>
-            <a:endParaRPr lang="en-IN" sz="1800" b="0" strike="noStrike" spc="-1">
+            <a:endParaRPr lang="en-IN" sz="1800" b="0" strike="noStrike" spc="-1" dirty="0">
               <a:solidFill>
                 <a:srgbClr val="000000"/>
               </a:solidFill>
@@ -13024,7 +13192,7 @@
                 <a:spcPct val="100000"/>
               </a:lnSpc>
             </a:pPr>
-            <a:endParaRPr lang="en-IN" sz="1800" b="0" strike="noStrike" spc="-1">
+            <a:endParaRPr lang="en-IN" sz="1800" b="0" strike="noStrike" spc="-1" dirty="0">
               <a:solidFill>
                 <a:srgbClr val="000000"/>
               </a:solidFill>
@@ -13048,7 +13216,7 @@
               <a:buChar char="•"/>
             </a:pPr>
             <a:r>
-              <a:rPr lang="en-IN" sz="2800" b="0" strike="noStrike" spc="-1">
+              <a:rPr lang="en-IN" sz="2800" b="0" strike="noStrike" spc="-1" dirty="0">
                 <a:solidFill>
                   <a:srgbClr val="000000"/>
                 </a:solidFill>
@@ -13061,7 +13229,30 @@
               </a:rPr>
               <a:t>Compression Ratio</a:t>
             </a:r>
-            <a:endParaRPr lang="en-IN" sz="1800" b="0" strike="noStrike" spc="-1">
+          </a:p>
+          <a:p>
+            <a:pPr marL="342360" indent="-341640">
+              <a:buClr>
+                <a:srgbClr val="000000"/>
+              </a:buClr>
+              <a:buFont typeface="Arial"/>
+              <a:buChar char="•"/>
+            </a:pPr>
+            <a:r>
+              <a:rPr lang="en-IN" sz="2800" spc="-1">
+                <a:solidFill>
+                  <a:srgbClr val="000000"/>
+                </a:solidFill>
+                <a:uFill>
+                  <a:solidFill>
+                    <a:srgbClr val="FFFFFF"/>
+                  </a:solidFill>
+                </a:uFill>
+                <a:latin typeface="Calibri"/>
+              </a:rPr>
+              <a:t>Compression Factor</a:t>
+            </a:r>
+            <a:endParaRPr lang="en-IN" sz="1800" b="0" strike="noStrike" spc="-1" dirty="0">
               <a:solidFill>
                 <a:srgbClr val="000000"/>
               </a:solidFill>
@@ -13085,7 +13276,7 @@
               <a:buChar char="•"/>
             </a:pPr>
             <a:r>
-              <a:rPr lang="en-IN" sz="2800" b="0" strike="noStrike" spc="-1">
+              <a:rPr lang="en-IN" sz="2800" b="0" strike="noStrike" spc="-1" dirty="0">
                 <a:solidFill>
                   <a:srgbClr val="000000"/>
                 </a:solidFill>
@@ -13098,7 +13289,7 @@
               </a:rPr>
               <a:t>Time complexity</a:t>
             </a:r>
-            <a:endParaRPr lang="en-IN" sz="1800" b="0" strike="noStrike" spc="-1">
+            <a:endParaRPr lang="en-IN" sz="1800" b="0" strike="noStrike" spc="-1" dirty="0">
               <a:solidFill>
                 <a:srgbClr val="000000"/>
               </a:solidFill>
@@ -13122,7 +13313,7 @@
               <a:buChar char="•"/>
             </a:pPr>
             <a:r>
-              <a:rPr lang="en-IN" sz="2800" b="0" strike="noStrike" spc="-1">
+              <a:rPr lang="en-IN" sz="2800" b="0" strike="noStrike" spc="-1" dirty="0">
                 <a:solidFill>
                   <a:srgbClr val="000000"/>
                 </a:solidFill>
@@ -13135,44 +13326,7 @@
               </a:rPr>
               <a:t>Code Efficiency</a:t>
             </a:r>
-            <a:endParaRPr lang="en-IN" sz="1800" b="0" strike="noStrike" spc="-1">
-              <a:solidFill>
-                <a:srgbClr val="000000"/>
-              </a:solidFill>
-              <a:uFill>
-                <a:solidFill>
-                  <a:srgbClr val="FFFFFF"/>
-                </a:solidFill>
-              </a:uFill>
-              <a:latin typeface="Arial"/>
-            </a:endParaRPr>
-          </a:p>
-          <a:p>
-            <a:pPr marL="342360" indent="-341640">
-              <a:lnSpc>
-                <a:spcPct val="100000"/>
-              </a:lnSpc>
-              <a:buClr>
-                <a:srgbClr val="000000"/>
-              </a:buClr>
-              <a:buFont typeface="Arial"/>
-              <a:buChar char="•"/>
-            </a:pPr>
-            <a:r>
-              <a:rPr lang="en-IN" sz="2800" b="0" strike="noStrike" spc="-1">
-                <a:solidFill>
-                  <a:srgbClr val="000000"/>
-                </a:solidFill>
-                <a:uFill>
-                  <a:solidFill>
-                    <a:srgbClr val="FFFFFF"/>
-                  </a:solidFill>
-                </a:uFill>
-                <a:latin typeface="Calibri"/>
-              </a:rPr>
-              <a:t>Compression Factor</a:t>
-            </a:r>
-            <a:endParaRPr lang="en-IN" sz="1800" b="0" strike="noStrike" spc="-1">
+            <a:endParaRPr lang="en-IN" sz="1800" b="0" strike="noStrike" spc="-1" dirty="0">
               <a:solidFill>
                 <a:srgbClr val="000000"/>
               </a:solidFill>
@@ -13190,7 +13344,7 @@
                 <a:spcPct val="100000"/>
               </a:lnSpc>
             </a:pPr>
-            <a:endParaRPr lang="en-IN" sz="1800" b="0" strike="noStrike" spc="-1">
+            <a:endParaRPr lang="en-IN" sz="1800" b="0" strike="noStrike" spc="-1" dirty="0">
               <a:solidFill>
                 <a:srgbClr val="000000"/>
               </a:solidFill>
@@ -13208,7 +13362,7 @@
                 <a:spcPct val="100000"/>
               </a:lnSpc>
             </a:pPr>
-            <a:endParaRPr lang="en-IN" sz="1800" b="0" strike="noStrike" spc="-1">
+            <a:endParaRPr lang="en-IN" sz="1800" b="0" strike="noStrike" spc="-1" dirty="0">
               <a:solidFill>
                 <a:srgbClr val="000000"/>
               </a:solidFill>
@@ -16067,49 +16221,7 @@
                 </a:uFill>
                 <a:latin typeface="Calibri"/>
               </a:rPr>
-              <a:t>According to the Google[ref10] Users of the Internet generate 2.5 quintillion bytes of data each day, on average, according to recent research cites </a:t>
-            </a:r>
-            <a:r>
-              <a:rPr lang="en-IN" sz="2800" spc="-1">
-                <a:solidFill>
-                  <a:srgbClr val="000000"/>
-                </a:solidFill>
-                <a:uFill>
-                  <a:solidFill>
-                    <a:srgbClr val="FFFFFF"/>
-                  </a:solidFill>
-                </a:uFill>
-                <a:latin typeface="Calibri"/>
-              </a:rPr>
-              <a:t>by Domo .</a:t>
-            </a:r>
-            <a:r>
-              <a:rPr lang="en-IN" sz="2800" spc="-1" dirty="0" err="1">
-                <a:solidFill>
-                  <a:srgbClr val="000000"/>
-                </a:solidFill>
-                <a:uFill>
-                  <a:solidFill>
-                    <a:srgbClr val="FFFFFF"/>
-                  </a:solidFill>
-                </a:uFill>
-                <a:latin typeface="Calibri"/>
-              </a:rPr>
-              <a:t>So</a:t>
-            </a:r>
-            <a:r>
-              <a:rPr lang="en-IN" sz="2800" spc="-1" dirty="0">
-                <a:solidFill>
-                  <a:srgbClr val="000000"/>
-                </a:solidFill>
-                <a:uFill>
-                  <a:solidFill>
-                    <a:srgbClr val="FFFFFF"/>
-                  </a:solidFill>
-                </a:uFill>
-                <a:latin typeface="Calibri"/>
-              </a:rPr>
-              <a:t> to store this high amount of data we need a lot of Storage, So it is the need of hour to Compress the Data.</a:t>
+              <a:t>According to the Google[ref10] Users of the Internet generate 2.5 quintillion bytes of data each day, on average, according to recent research cites by Domo .So to store this high amount of data we need a lot of Storage, So it is the need of hour to Compress the Data.</a:t>
             </a:r>
             <a:endParaRPr lang="en-IN" sz="1800" b="0" strike="noStrike" spc="-1" dirty="0">
               <a:solidFill>

--- a/PodHandler.pptx
+++ b/PodHandler.pptx
@@ -12693,7 +12693,7 @@
               </a:lnSpc>
             </a:pPr>
             <a:r>
-              <a:rPr lang="en-IN" sz="2800" b="0" strike="noStrike" spc="-1">
+              <a:rPr lang="en-IN" sz="2800" b="0" strike="noStrike" spc="-1" dirty="0">
                 <a:solidFill>
                   <a:srgbClr val="000000"/>
                 </a:solidFill>
@@ -12704,9 +12704,9 @@
                 </a:uFill>
                 <a:latin typeface="Calibri"/>
               </a:rPr>
-              <a:t>4. The left part of the list is assigned the binary digit 0, and the right part is assigned the digit 1. This means that the codes for the symbols in the first part will all start with 0, and the codes in the second part will all start with 1.</a:t>
+              <a:t>4.  The left part of the list is assigned the binary digit 0, and the right part is assigned the digit 1. This means that the codes for the symbols in the first part will all start with 0, and the codes in the second part will all start with 1.</a:t>
             </a:r>
-            <a:endParaRPr lang="en-IN" sz="1800" b="0" strike="noStrike" spc="-1">
+            <a:endParaRPr lang="en-IN" sz="1800" b="0" strike="noStrike" spc="-1" dirty="0">
               <a:solidFill>
                 <a:srgbClr val="000000"/>
               </a:solidFill>
@@ -12725,7 +12725,7 @@
               </a:lnSpc>
             </a:pPr>
             <a:r>
-              <a:rPr lang="en-IN" sz="2800" b="0" strike="noStrike" spc="-1">
+              <a:rPr lang="en-IN" sz="2800" b="0" strike="noStrike" spc="-1" dirty="0">
                 <a:solidFill>
                   <a:srgbClr val="000000"/>
                 </a:solidFill>
@@ -12736,9 +12736,9 @@
                 </a:uFill>
                 <a:latin typeface="Calibri"/>
               </a:rPr>
-              <a:t>5. Recursively apply the steps 3 and 4 to each of the two halves, subdividing groups and adding bits to the codes until each symbol has become a corresponding code leaf on the tree</a:t>
+              <a:t>5.  Recursively apply the steps 3 and 4 to each of the two halves, subdividing groups and adding bits to the codes until each symbol has become a corresponding code leaf on the tree</a:t>
             </a:r>
-            <a:endParaRPr lang="en-IN" sz="1800" b="0" strike="noStrike" spc="-1">
+            <a:endParaRPr lang="en-IN" sz="1800" b="0" strike="noStrike" spc="-1" dirty="0">
               <a:solidFill>
                 <a:srgbClr val="000000"/>
               </a:solidFill>
@@ -13239,7 +13239,7 @@
               <a:buChar char="•"/>
             </a:pPr>
             <a:r>
-              <a:rPr lang="en-IN" sz="2800" spc="-1">
+              <a:rPr lang="en-IN" sz="2800" spc="-1" dirty="0">
                 <a:solidFill>
                   <a:srgbClr val="000000"/>
                 </a:solidFill>
@@ -13288,6 +13288,32 @@
                 <a:latin typeface="Calibri"/>
               </a:rPr>
               <a:t>Time complexity</a:t>
+            </a:r>
+          </a:p>
+          <a:p>
+            <a:pPr marL="342360" indent="-341640">
+              <a:lnSpc>
+                <a:spcPct val="100000"/>
+              </a:lnSpc>
+              <a:buClr>
+                <a:srgbClr val="000000"/>
+              </a:buClr>
+              <a:buFont typeface="Arial"/>
+              <a:buChar char="•"/>
+            </a:pPr>
+            <a:r>
+              <a:rPr lang="en-IN" sz="2800" spc="-1" dirty="0">
+                <a:solidFill>
+                  <a:srgbClr val="000000"/>
+                </a:solidFill>
+                <a:uFill>
+                  <a:solidFill>
+                    <a:srgbClr val="FFFFFF"/>
+                  </a:solidFill>
+                </a:uFill>
+                <a:latin typeface="Calibri"/>
+              </a:rPr>
+              <a:t>Saving Percentage</a:t>
             </a:r>
             <a:endParaRPr lang="en-IN" sz="1800" b="0" strike="noStrike" spc="-1" dirty="0">
               <a:solidFill>
@@ -14382,7 +14408,13 @@
         <p:nvGraphicFramePr>
           <p:cNvPr id="190" name="Table 2"/>
           <p:cNvGraphicFramePr/>
-          <p:nvPr/>
+          <p:nvPr>
+            <p:extLst>
+              <p:ext uri="{D42A27DB-BD31-4B8C-83A1-F6EECF244321}">
+                <p14:modId xmlns:p14="http://schemas.microsoft.com/office/powerpoint/2010/main" val="3953790142"/>
+              </p:ext>
+            </p:extLst>
+          </p:nvPr>
         </p:nvGraphicFramePr>
         <p:xfrm>
           <a:off x="1783440" y="2332080"/>
@@ -15349,7 +15381,7 @@
                         </a:lnSpc>
                       </a:pPr>
                       <a:r>
-                        <a:rPr lang="en-IN" sz="1900" b="0" strike="noStrike" spc="-1">
+                        <a:rPr lang="en-IN" sz="1900" b="0" strike="noStrike" spc="-1" dirty="0">
                           <a:solidFill>
                             <a:srgbClr val="000000"/>
                           </a:solidFill>
@@ -15360,9 +15392,9 @@
                           </a:uFill>
                           <a:latin typeface="Calibri"/>
                         </a:rPr>
-                        <a:t>Comparsion &amp; Suggest improvements</a:t>
+                        <a:t>Comparison &amp; Suggest improvements</a:t>
                       </a:r>
-                      <a:endParaRPr lang="en-IN" sz="1800" b="0" strike="noStrike" spc="-1">
+                      <a:endParaRPr lang="en-IN" sz="1800" b="0" strike="noStrike" spc="-1" dirty="0">
                         <a:solidFill>
                           <a:srgbClr val="000000"/>
                         </a:solidFill>
@@ -15539,7 +15571,7 @@
         </p:nvSpPr>
         <p:spPr>
           <a:xfrm>
-            <a:off x="504000" y="1913040"/>
+            <a:off x="504000" y="1925072"/>
             <a:ext cx="10887840" cy="3729240"/>
           </a:xfrm>
           <a:prstGeom prst="rect">
@@ -15922,7 +15954,7 @@
               </a:lnSpc>
             </a:pPr>
             <a:r>
-              <a:rPr lang="en-IN" sz="2800" b="0" strike="noStrike" spc="-1">
+              <a:rPr lang="en-IN" sz="2800" b="0" strike="noStrike" spc="-1" dirty="0">
                 <a:solidFill>
                   <a:srgbClr val="000000"/>
                 </a:solidFill>
@@ -15936,7 +15968,7 @@
               </a:rPr>
               <a:t>Storage on the cloud is a limited resource. Even though more storage space can be purchased, it seems better to utilize the given space to the fullest. The solution to this problem is data compression. Compress data to save space and then store it on the cloud, also in doing so, we save the data transmission cost over the network and make our cloud storage even more efficient.</a:t>
             </a:r>
-            <a:endParaRPr lang="en-IN" sz="1800" b="0" strike="noStrike" spc="-1">
+            <a:endParaRPr lang="en-IN" sz="1800" b="0" strike="noStrike" spc="-1" dirty="0">
               <a:solidFill>
                 <a:srgbClr val="000000"/>
               </a:solidFill>
@@ -15954,7 +15986,7 @@
                 <a:spcPct val="100000"/>
               </a:lnSpc>
             </a:pPr>
-            <a:endParaRPr lang="en-IN" sz="1800" b="0" strike="noStrike" spc="-1">
+            <a:endParaRPr lang="en-IN" sz="1800" b="0" strike="noStrike" spc="-1" dirty="0">
               <a:solidFill>
                 <a:srgbClr val="000000"/>
               </a:solidFill>
@@ -16096,7 +16128,7 @@
         </p:nvSpPr>
         <p:spPr>
           <a:xfrm>
-            <a:off x="637560" y="1443960"/>
+            <a:off x="553339" y="1311613"/>
             <a:ext cx="10915920" cy="4781880"/>
           </a:xfrm>
           <a:prstGeom prst="rect">
@@ -16436,7 +16468,7 @@
               <a:buChar char="•"/>
             </a:pPr>
             <a:r>
-              <a:rPr lang="en-IN" sz="2800" b="0" strike="noStrike" spc="-1">
+              <a:rPr lang="en-IN" sz="2800" b="0" strike="noStrike" spc="-1" dirty="0">
                 <a:solidFill>
                   <a:srgbClr val="000000"/>
                 </a:solidFill>
@@ -16450,7 +16482,7 @@
               </a:rPr>
               <a:t>Implementation of :</a:t>
             </a:r>
-            <a:endParaRPr lang="en-IN" sz="1800" b="0" strike="noStrike" spc="-1">
+            <a:endParaRPr lang="en-IN" sz="1800" b="0" strike="noStrike" spc="-1" dirty="0">
               <a:solidFill>
                 <a:srgbClr val="000000"/>
               </a:solidFill>
@@ -16474,7 +16506,7 @@
               <a:buAutoNum type="arabicPeriod"/>
             </a:pPr>
             <a:r>
-              <a:rPr lang="en-IN" sz="2800" b="0" strike="noStrike" spc="-1">
+              <a:rPr lang="en-IN" sz="2800" b="0" strike="noStrike" spc="-1" dirty="0">
                 <a:solidFill>
                   <a:srgbClr val="000000"/>
                 </a:solidFill>
@@ -16488,7 +16520,7 @@
               </a:rPr>
               <a:t>Huffman's encoding Algorithm</a:t>
             </a:r>
-            <a:endParaRPr lang="en-IN" sz="1800" b="0" strike="noStrike" spc="-1">
+            <a:endParaRPr lang="en-IN" sz="1800" b="0" strike="noStrike" spc="-1" dirty="0">
               <a:solidFill>
                 <a:srgbClr val="000000"/>
               </a:solidFill>
@@ -16512,7 +16544,7 @@
               <a:buAutoNum type="arabicPeriod"/>
             </a:pPr>
             <a:r>
-              <a:rPr lang="en-IN" sz="2800" b="0" strike="noStrike" spc="-1">
+              <a:rPr lang="en-IN" sz="2800" b="0" strike="noStrike" spc="-1" dirty="0">
                 <a:solidFill>
                   <a:srgbClr val="000000"/>
                 </a:solidFill>
@@ -16526,7 +16558,7 @@
               </a:rPr>
               <a:t>Shannon – Fano Algorithm</a:t>
             </a:r>
-            <a:endParaRPr lang="en-IN" sz="1800" b="0" strike="noStrike" spc="-1">
+            <a:endParaRPr lang="en-IN" sz="1800" b="0" strike="noStrike" spc="-1" dirty="0">
               <a:solidFill>
                 <a:srgbClr val="000000"/>
               </a:solidFill>
@@ -16550,7 +16582,7 @@
               <a:buAutoNum type="arabicPeriod"/>
             </a:pPr>
             <a:r>
-              <a:rPr lang="en-IN" sz="2800" b="0" strike="noStrike" spc="-1">
+              <a:rPr lang="en-IN" sz="2800" b="0" strike="noStrike" spc="-1" dirty="0">
                 <a:solidFill>
                   <a:srgbClr val="000000"/>
                 </a:solidFill>
@@ -16564,7 +16596,7 @@
               </a:rPr>
               <a:t>Lempel – Zev Welch Algorithm </a:t>
             </a:r>
-            <a:endParaRPr lang="en-IN" sz="1800" b="0" strike="noStrike" spc="-1">
+            <a:endParaRPr lang="en-IN" sz="1800" b="0" strike="noStrike" spc="-1" dirty="0">
               <a:solidFill>
                 <a:srgbClr val="000000"/>
               </a:solidFill>
@@ -16582,7 +16614,7 @@
                 <a:spcPct val="100000"/>
               </a:lnSpc>
             </a:pPr>
-            <a:endParaRPr lang="en-IN" sz="1800" b="0" strike="noStrike" spc="-1">
+            <a:endParaRPr lang="en-IN" sz="1800" b="0" strike="noStrike" spc="-1" dirty="0">
               <a:solidFill>
                 <a:srgbClr val="000000"/>
               </a:solidFill>
@@ -16606,7 +16638,7 @@
               <a:buChar char="•"/>
             </a:pPr>
             <a:r>
-              <a:rPr lang="en-IN" sz="2800" b="0" strike="noStrike" spc="-1">
+              <a:rPr lang="en-IN" sz="2800" b="0" strike="noStrike" spc="-1" dirty="0">
                 <a:solidFill>
                   <a:srgbClr val="000000"/>
                 </a:solidFill>
@@ -16620,7 +16652,7 @@
               </a:rPr>
               <a:t>Comparison of all three algorithms on the basis of:</a:t>
             </a:r>
-            <a:endParaRPr lang="en-IN" sz="1800" b="0" strike="noStrike" spc="-1">
+            <a:endParaRPr lang="en-IN" sz="1800" b="0" strike="noStrike" spc="-1" dirty="0">
               <a:solidFill>
                 <a:srgbClr val="000000"/>
               </a:solidFill>
@@ -16639,7 +16671,7 @@
               </a:lnSpc>
             </a:pPr>
             <a:r>
-              <a:rPr lang="en-IN" sz="2800" b="0" strike="noStrike" spc="-1">
+              <a:rPr lang="en-IN" sz="2800" b="0" strike="noStrike" spc="-1" dirty="0">
                 <a:solidFill>
                   <a:srgbClr val="000000"/>
                 </a:solidFill>
@@ -16653,7 +16685,7 @@
               </a:rPr>
               <a:t>=&gt; Degree of compression</a:t>
             </a:r>
-            <a:endParaRPr lang="en-IN" sz="1800" b="0" strike="noStrike" spc="-1">
+            <a:endParaRPr lang="en-IN" sz="1800" b="0" strike="noStrike" spc="-1" dirty="0">
               <a:solidFill>
                 <a:srgbClr val="000000"/>
               </a:solidFill>
@@ -16672,7 +16704,7 @@
               </a:lnSpc>
             </a:pPr>
             <a:r>
-              <a:rPr lang="en-IN" sz="2800" b="0" strike="noStrike" spc="-1">
+              <a:rPr lang="en-IN" sz="2800" b="0" strike="noStrike" spc="-1" dirty="0">
                 <a:solidFill>
                   <a:srgbClr val="000000"/>
                 </a:solidFill>
@@ -16686,7 +16718,7 @@
               </a:rPr>
               <a:t>=&gt; Time</a:t>
             </a:r>
-            <a:endParaRPr lang="en-IN" sz="1800" b="0" strike="noStrike" spc="-1">
+            <a:endParaRPr lang="en-IN" sz="1800" b="0" strike="noStrike" spc="-1" dirty="0">
               <a:solidFill>
                 <a:srgbClr val="000000"/>
               </a:solidFill>
@@ -16705,7 +16737,7 @@
               </a:lnSpc>
             </a:pPr>
             <a:r>
-              <a:rPr lang="en-IN" sz="2800" b="0" strike="noStrike" spc="-1">
+              <a:rPr lang="en-IN" sz="2800" b="0" strike="noStrike" spc="-1" dirty="0">
                 <a:solidFill>
                   <a:srgbClr val="000000"/>
                 </a:solidFill>
@@ -16719,7 +16751,7 @@
               </a:rPr>
               <a:t>=&gt; Code Efficiency</a:t>
             </a:r>
-            <a:endParaRPr lang="en-IN" sz="1800" b="0" strike="noStrike" spc="-1">
+            <a:endParaRPr lang="en-IN" sz="1800" b="0" strike="noStrike" spc="-1" dirty="0">
               <a:solidFill>
                 <a:srgbClr val="000000"/>
               </a:solidFill>
@@ -16737,7 +16769,7 @@
                 <a:spcPct val="100000"/>
               </a:lnSpc>
             </a:pPr>
-            <a:endParaRPr lang="en-IN" sz="1800" b="0" strike="noStrike" spc="-1">
+            <a:endParaRPr lang="en-IN" sz="1800" b="0" strike="noStrike" spc="-1" dirty="0">
               <a:solidFill>
                 <a:srgbClr val="000000"/>
               </a:solidFill>
@@ -16761,7 +16793,7 @@
               <a:buChar char="•"/>
             </a:pPr>
             <a:r>
-              <a:rPr lang="en-IN" sz="2800" b="0" strike="noStrike" spc="-1">
+              <a:rPr lang="en-IN" sz="2800" b="0" strike="noStrike" spc="-1" dirty="0">
                 <a:solidFill>
                   <a:srgbClr val="000000"/>
                 </a:solidFill>
@@ -16775,7 +16807,7 @@
               </a:rPr>
               <a:t>Implementation and deployment of compressed text on cloud.</a:t>
             </a:r>
-            <a:endParaRPr lang="en-IN" sz="1800" b="0" strike="noStrike" spc="-1">
+            <a:endParaRPr lang="en-IN" sz="1800" b="0" strike="noStrike" spc="-1" dirty="0">
               <a:solidFill>
                 <a:srgbClr val="000000"/>
               </a:solidFill>
@@ -16793,7 +16825,7 @@
                 <a:spcPct val="100000"/>
               </a:lnSpc>
             </a:pPr>
-            <a:endParaRPr lang="en-IN" sz="1800" b="0" strike="noStrike" spc="-1">
+            <a:endParaRPr lang="en-IN" sz="1800" b="0" strike="noStrike" spc="-1" dirty="0">
               <a:solidFill>
                 <a:srgbClr val="000000"/>
               </a:solidFill>
